--- a/docs/diagrams/ShowDescriptionSequenceDiagram.pptx
+++ b/docs/diagrams/ShowDescriptionSequenceDiagram.pptx
@@ -10,7 +10,7 @@
   <p:sldIdLst>
     <p:sldId id="267" r:id="rId2"/>
   </p:sldIdLst>
-  <p:sldSz cx="9144000" cy="6858000" type="screen4x3"/>
+  <p:sldSz cx="18000663" cy="6858000"/>
   <p:notesSz cx="6858000" cy="9144000"/>
   <p:defaultTextStyle>
     <a:defPPr>
@@ -110,12 +110,12 @@
   <p:extLst>
     <p:ext uri="{EFAFB233-063F-42B5-8137-9DF3F51BA10A}">
       <p15:sldGuideLst xmlns:p15="http://schemas.microsoft.com/office/powerpoint/2012/main">
-        <p15:guide id="1" orient="horz" pos="1488">
+        <p15:guide id="1" orient="horz" pos="1488" userDrawn="1">
           <p15:clr>
             <a:srgbClr val="A4A3A4"/>
           </p15:clr>
         </p15:guide>
-        <p15:guide id="2" pos="2880">
+        <p15:guide id="2" pos="5670" userDrawn="1">
           <p15:clr>
             <a:srgbClr val="A4A3A4"/>
           </p15:clr>
@@ -226,8 +226,8 @@
         </p:nvSpPr>
         <p:spPr>
           <a:xfrm>
-            <a:off x="1143000" y="685800"/>
-            <a:ext cx="4572000" cy="3429000"/>
+            <a:off x="-1069975" y="685800"/>
+            <a:ext cx="8997950" cy="3429000"/>
           </a:xfrm>
           <a:prstGeom prst="rect">
             <a:avLst/>
@@ -504,8 +504,8 @@
         </p:nvSpPr>
         <p:spPr>
           <a:xfrm>
-            <a:off x="685800" y="2130425"/>
-            <a:ext cx="7772400" cy="1470025"/>
+            <a:off x="1350050" y="2130429"/>
+            <a:ext cx="15300564" cy="1470025"/>
           </a:xfrm>
         </p:spPr>
         <p:txBody>
@@ -531,8 +531,8 @@
         </p:nvSpPr>
         <p:spPr>
           <a:xfrm>
-            <a:off x="1371600" y="3886200"/>
-            <a:ext cx="6400800" cy="1752600"/>
+            <a:off x="2700100" y="3886200"/>
+            <a:ext cx="12600464" cy="1752600"/>
           </a:xfrm>
         </p:spPr>
         <p:txBody>
@@ -548,7 +548,7 @@
                 </a:solidFill>
               </a:defRPr>
             </a:lvl1pPr>
-            <a:lvl2pPr marL="457200" indent="0" algn="ctr">
+            <a:lvl2pPr marL="457184" indent="0" algn="ctr">
               <a:buNone/>
               <a:defRPr>
                 <a:solidFill>
@@ -558,7 +558,7 @@
                 </a:solidFill>
               </a:defRPr>
             </a:lvl2pPr>
-            <a:lvl3pPr marL="914400" indent="0" algn="ctr">
+            <a:lvl3pPr marL="914369" indent="0" algn="ctr">
               <a:buNone/>
               <a:defRPr>
                 <a:solidFill>
@@ -568,7 +568,7 @@
                 </a:solidFill>
               </a:defRPr>
             </a:lvl3pPr>
-            <a:lvl4pPr marL="1371600" indent="0" algn="ctr">
+            <a:lvl4pPr marL="1371553" indent="0" algn="ctr">
               <a:buNone/>
               <a:defRPr>
                 <a:solidFill>
@@ -578,7 +578,7 @@
                 </a:solidFill>
               </a:defRPr>
             </a:lvl4pPr>
-            <a:lvl5pPr marL="1828800" indent="0" algn="ctr">
+            <a:lvl5pPr marL="1828737" indent="0" algn="ctr">
               <a:buNone/>
               <a:defRPr>
                 <a:solidFill>
@@ -588,7 +588,7 @@
                 </a:solidFill>
               </a:defRPr>
             </a:lvl5pPr>
-            <a:lvl6pPr marL="2286000" indent="0" algn="ctr">
+            <a:lvl6pPr marL="2285921" indent="0" algn="ctr">
               <a:buNone/>
               <a:defRPr>
                 <a:solidFill>
@@ -598,7 +598,7 @@
                 </a:solidFill>
               </a:defRPr>
             </a:lvl6pPr>
-            <a:lvl7pPr marL="2743200" indent="0" algn="ctr">
+            <a:lvl7pPr marL="2743106" indent="0" algn="ctr">
               <a:buNone/>
               <a:defRPr>
                 <a:solidFill>
@@ -608,7 +608,7 @@
                 </a:solidFill>
               </a:defRPr>
             </a:lvl7pPr>
-            <a:lvl8pPr marL="3200400" indent="0" algn="ctr">
+            <a:lvl8pPr marL="3200291" indent="0" algn="ctr">
               <a:buNone/>
               <a:defRPr>
                 <a:solidFill>
@@ -618,7 +618,7 @@
                 </a:solidFill>
               </a:defRPr>
             </a:lvl8pPr>
-            <a:lvl9pPr marL="3657600" indent="0" algn="ctr">
+            <a:lvl9pPr marL="3657475" indent="0" algn="ctr">
               <a:buNone/>
               <a:defRPr>
                 <a:solidFill>
@@ -912,8 +912,8 @@
         </p:nvSpPr>
         <p:spPr>
           <a:xfrm>
-            <a:off x="6629400" y="274638"/>
-            <a:ext cx="2057400" cy="5851525"/>
+            <a:off x="13050481" y="274642"/>
+            <a:ext cx="4050149" cy="5851525"/>
           </a:xfrm>
         </p:spPr>
         <p:txBody>
@@ -939,8 +939,8 @@
         </p:nvSpPr>
         <p:spPr>
           <a:xfrm>
-            <a:off x="457200" y="274638"/>
-            <a:ext cx="6019800" cy="5851525"/>
+            <a:off x="900033" y="274642"/>
+            <a:ext cx="11850436" cy="5851525"/>
           </a:xfrm>
         </p:spPr>
         <p:txBody>
@@ -1258,8 +1258,8 @@
         </p:nvSpPr>
         <p:spPr>
           <a:xfrm>
-            <a:off x="722313" y="4406900"/>
-            <a:ext cx="7772400" cy="1362075"/>
+            <a:off x="1421928" y="4406904"/>
+            <a:ext cx="15300564" cy="1362075"/>
           </a:xfrm>
         </p:spPr>
         <p:txBody>
@@ -1289,8 +1289,8 @@
         </p:nvSpPr>
         <p:spPr>
           <a:xfrm>
-            <a:off x="722313" y="2906713"/>
-            <a:ext cx="7772400" cy="1500187"/>
+            <a:off x="1421928" y="2906713"/>
+            <a:ext cx="15300564" cy="1500187"/>
           </a:xfrm>
         </p:spPr>
         <p:txBody>
@@ -1306,7 +1306,7 @@
                 </a:solidFill>
               </a:defRPr>
             </a:lvl1pPr>
-            <a:lvl2pPr marL="457200" indent="0">
+            <a:lvl2pPr marL="457184" indent="0">
               <a:buNone/>
               <a:defRPr sz="1800">
                 <a:solidFill>
@@ -1316,7 +1316,7 @@
                 </a:solidFill>
               </a:defRPr>
             </a:lvl2pPr>
-            <a:lvl3pPr marL="914400" indent="0">
+            <a:lvl3pPr marL="914369" indent="0">
               <a:buNone/>
               <a:defRPr sz="1600">
                 <a:solidFill>
@@ -1326,7 +1326,7 @@
                 </a:solidFill>
               </a:defRPr>
             </a:lvl3pPr>
-            <a:lvl4pPr marL="1371600" indent="0">
+            <a:lvl4pPr marL="1371553" indent="0">
               <a:buNone/>
               <a:defRPr sz="1400">
                 <a:solidFill>
@@ -1336,7 +1336,7 @@
                 </a:solidFill>
               </a:defRPr>
             </a:lvl4pPr>
-            <a:lvl5pPr marL="1828800" indent="0">
+            <a:lvl5pPr marL="1828737" indent="0">
               <a:buNone/>
               <a:defRPr sz="1400">
                 <a:solidFill>
@@ -1346,7 +1346,7 @@
                 </a:solidFill>
               </a:defRPr>
             </a:lvl5pPr>
-            <a:lvl6pPr marL="2286000" indent="0">
+            <a:lvl6pPr marL="2285921" indent="0">
               <a:buNone/>
               <a:defRPr sz="1400">
                 <a:solidFill>
@@ -1356,7 +1356,7 @@
                 </a:solidFill>
               </a:defRPr>
             </a:lvl6pPr>
-            <a:lvl7pPr marL="2743200" indent="0">
+            <a:lvl7pPr marL="2743106" indent="0">
               <a:buNone/>
               <a:defRPr sz="1400">
                 <a:solidFill>
@@ -1366,7 +1366,7 @@
                 </a:solidFill>
               </a:defRPr>
             </a:lvl7pPr>
-            <a:lvl8pPr marL="3200400" indent="0">
+            <a:lvl8pPr marL="3200291" indent="0">
               <a:buNone/>
               <a:defRPr sz="1400">
                 <a:solidFill>
@@ -1376,7 +1376,7 @@
                 </a:solidFill>
               </a:defRPr>
             </a:lvl8pPr>
-            <a:lvl9pPr marL="3657600" indent="0">
+            <a:lvl9pPr marL="3657475" indent="0">
               <a:buNone/>
               <a:defRPr sz="1400">
                 <a:solidFill>
@@ -1525,8 +1525,8 @@
         </p:nvSpPr>
         <p:spPr>
           <a:xfrm>
-            <a:off x="457200" y="1600200"/>
-            <a:ext cx="4038600" cy="4525963"/>
+            <a:off x="900033" y="1600204"/>
+            <a:ext cx="7950293" cy="4525963"/>
           </a:xfrm>
         </p:spPr>
         <p:txBody>
@@ -1609,8 +1609,8 @@
         </p:nvSpPr>
         <p:spPr>
           <a:xfrm>
-            <a:off x="4648200" y="1600200"/>
-            <a:ext cx="4038600" cy="4525963"/>
+            <a:off x="9150337" y="1600204"/>
+            <a:ext cx="7950293" cy="4525963"/>
           </a:xfrm>
         </p:spPr>
         <p:txBody>
@@ -1814,8 +1814,8 @@
         </p:nvSpPr>
         <p:spPr>
           <a:xfrm>
-            <a:off x="457200" y="1535113"/>
-            <a:ext cx="4040188" cy="639762"/>
+            <a:off x="900034" y="1535113"/>
+            <a:ext cx="7953418" cy="639762"/>
           </a:xfrm>
         </p:spPr>
         <p:txBody>
@@ -1825,35 +1825,35 @@
               <a:buNone/>
               <a:defRPr sz="2400" b="1"/>
             </a:lvl1pPr>
-            <a:lvl2pPr marL="457200" indent="0">
+            <a:lvl2pPr marL="457184" indent="0">
               <a:buNone/>
               <a:defRPr sz="2000" b="1"/>
             </a:lvl2pPr>
-            <a:lvl3pPr marL="914400" indent="0">
+            <a:lvl3pPr marL="914369" indent="0">
               <a:buNone/>
               <a:defRPr sz="1800" b="1"/>
             </a:lvl3pPr>
-            <a:lvl4pPr marL="1371600" indent="0">
+            <a:lvl4pPr marL="1371553" indent="0">
               <a:buNone/>
               <a:defRPr sz="1600" b="1"/>
             </a:lvl4pPr>
-            <a:lvl5pPr marL="1828800" indent="0">
+            <a:lvl5pPr marL="1828737" indent="0">
               <a:buNone/>
               <a:defRPr sz="1600" b="1"/>
             </a:lvl5pPr>
-            <a:lvl6pPr marL="2286000" indent="0">
+            <a:lvl6pPr marL="2285921" indent="0">
               <a:buNone/>
               <a:defRPr sz="1600" b="1"/>
             </a:lvl6pPr>
-            <a:lvl7pPr marL="2743200" indent="0">
+            <a:lvl7pPr marL="2743106" indent="0">
               <a:buNone/>
               <a:defRPr sz="1600" b="1"/>
             </a:lvl7pPr>
-            <a:lvl8pPr marL="3200400" indent="0">
+            <a:lvl8pPr marL="3200291" indent="0">
               <a:buNone/>
               <a:defRPr sz="1600" b="1"/>
             </a:lvl8pPr>
-            <a:lvl9pPr marL="3657600" indent="0">
+            <a:lvl9pPr marL="3657475" indent="0">
               <a:buNone/>
               <a:defRPr sz="1600" b="1"/>
             </a:lvl9pPr>
@@ -1879,8 +1879,8 @@
         </p:nvSpPr>
         <p:spPr>
           <a:xfrm>
-            <a:off x="457200" y="2174875"/>
-            <a:ext cx="4040188" cy="3951288"/>
+            <a:off x="900034" y="2174875"/>
+            <a:ext cx="7953418" cy="3951288"/>
           </a:xfrm>
         </p:spPr>
         <p:txBody>
@@ -1963,8 +1963,8 @@
         </p:nvSpPr>
         <p:spPr>
           <a:xfrm>
-            <a:off x="4645025" y="1535113"/>
-            <a:ext cx="4041775" cy="639762"/>
+            <a:off x="9144091" y="1535113"/>
+            <a:ext cx="7956543" cy="639762"/>
           </a:xfrm>
         </p:spPr>
         <p:txBody>
@@ -1974,35 +1974,35 @@
               <a:buNone/>
               <a:defRPr sz="2400" b="1"/>
             </a:lvl1pPr>
-            <a:lvl2pPr marL="457200" indent="0">
+            <a:lvl2pPr marL="457184" indent="0">
               <a:buNone/>
               <a:defRPr sz="2000" b="1"/>
             </a:lvl2pPr>
-            <a:lvl3pPr marL="914400" indent="0">
+            <a:lvl3pPr marL="914369" indent="0">
               <a:buNone/>
               <a:defRPr sz="1800" b="1"/>
             </a:lvl3pPr>
-            <a:lvl4pPr marL="1371600" indent="0">
+            <a:lvl4pPr marL="1371553" indent="0">
               <a:buNone/>
               <a:defRPr sz="1600" b="1"/>
             </a:lvl4pPr>
-            <a:lvl5pPr marL="1828800" indent="0">
+            <a:lvl5pPr marL="1828737" indent="0">
               <a:buNone/>
               <a:defRPr sz="1600" b="1"/>
             </a:lvl5pPr>
-            <a:lvl6pPr marL="2286000" indent="0">
+            <a:lvl6pPr marL="2285921" indent="0">
               <a:buNone/>
               <a:defRPr sz="1600" b="1"/>
             </a:lvl6pPr>
-            <a:lvl7pPr marL="2743200" indent="0">
+            <a:lvl7pPr marL="2743106" indent="0">
               <a:buNone/>
               <a:defRPr sz="1600" b="1"/>
             </a:lvl7pPr>
-            <a:lvl8pPr marL="3200400" indent="0">
+            <a:lvl8pPr marL="3200291" indent="0">
               <a:buNone/>
               <a:defRPr sz="1600" b="1"/>
             </a:lvl8pPr>
-            <a:lvl9pPr marL="3657600" indent="0">
+            <a:lvl9pPr marL="3657475" indent="0">
               <a:buNone/>
               <a:defRPr sz="1600" b="1"/>
             </a:lvl9pPr>
@@ -2028,8 +2028,8 @@
         </p:nvSpPr>
         <p:spPr>
           <a:xfrm>
-            <a:off x="4645025" y="2174875"/>
-            <a:ext cx="4041775" cy="3951288"/>
+            <a:off x="9144091" y="2174875"/>
+            <a:ext cx="7956543" cy="3951288"/>
           </a:xfrm>
         </p:spPr>
         <p:txBody>
@@ -2419,8 +2419,8 @@
         </p:nvSpPr>
         <p:spPr>
           <a:xfrm>
-            <a:off x="457200" y="273050"/>
-            <a:ext cx="3008313" cy="1162050"/>
+            <a:off x="900035" y="273050"/>
+            <a:ext cx="5922094" cy="1162050"/>
           </a:xfrm>
         </p:spPr>
         <p:txBody>
@@ -2450,8 +2450,8 @@
         </p:nvSpPr>
         <p:spPr>
           <a:xfrm>
-            <a:off x="3575050" y="273050"/>
-            <a:ext cx="5111750" cy="5853113"/>
+            <a:off x="7037761" y="273054"/>
+            <a:ext cx="10062871" cy="5853113"/>
           </a:xfrm>
         </p:spPr>
         <p:txBody>
@@ -2534,8 +2534,8 @@
         </p:nvSpPr>
         <p:spPr>
           <a:xfrm>
-            <a:off x="457200" y="1435100"/>
-            <a:ext cx="3008313" cy="4691063"/>
+            <a:off x="900035" y="1435103"/>
+            <a:ext cx="5922094" cy="4691063"/>
           </a:xfrm>
         </p:spPr>
         <p:txBody>
@@ -2545,35 +2545,35 @@
               <a:buNone/>
               <a:defRPr sz="1400"/>
             </a:lvl1pPr>
-            <a:lvl2pPr marL="457200" indent="0">
+            <a:lvl2pPr marL="457184" indent="0">
               <a:buNone/>
               <a:defRPr sz="1200"/>
             </a:lvl2pPr>
-            <a:lvl3pPr marL="914400" indent="0">
+            <a:lvl3pPr marL="914369" indent="0">
               <a:buNone/>
               <a:defRPr sz="1000"/>
             </a:lvl3pPr>
-            <a:lvl4pPr marL="1371600" indent="0">
+            <a:lvl4pPr marL="1371553" indent="0">
               <a:buNone/>
               <a:defRPr sz="900"/>
             </a:lvl4pPr>
-            <a:lvl5pPr marL="1828800" indent="0">
+            <a:lvl5pPr marL="1828737" indent="0">
               <a:buNone/>
               <a:defRPr sz="900"/>
             </a:lvl5pPr>
-            <a:lvl6pPr marL="2286000" indent="0">
+            <a:lvl6pPr marL="2285921" indent="0">
               <a:buNone/>
               <a:defRPr sz="900"/>
             </a:lvl6pPr>
-            <a:lvl7pPr marL="2743200" indent="0">
+            <a:lvl7pPr marL="2743106" indent="0">
               <a:buNone/>
               <a:defRPr sz="900"/>
             </a:lvl7pPr>
-            <a:lvl8pPr marL="3200400" indent="0">
+            <a:lvl8pPr marL="3200291" indent="0">
               <a:buNone/>
               <a:defRPr sz="900"/>
             </a:lvl8pPr>
-            <a:lvl9pPr marL="3657600" indent="0">
+            <a:lvl9pPr marL="3657475" indent="0">
               <a:buNone/>
               <a:defRPr sz="900"/>
             </a:lvl9pPr>
@@ -2694,8 +2694,8 @@
         </p:nvSpPr>
         <p:spPr>
           <a:xfrm>
-            <a:off x="1792288" y="4800600"/>
-            <a:ext cx="5486400" cy="566738"/>
+            <a:off x="3528255" y="4800600"/>
+            <a:ext cx="10800398" cy="566738"/>
           </a:xfrm>
         </p:spPr>
         <p:txBody>
@@ -2725,8 +2725,8 @@
         </p:nvSpPr>
         <p:spPr>
           <a:xfrm>
-            <a:off x="1792288" y="612775"/>
-            <a:ext cx="5486400" cy="4114800"/>
+            <a:off x="3528255" y="612775"/>
+            <a:ext cx="10800398" cy="4114800"/>
           </a:xfrm>
         </p:spPr>
         <p:txBody>
@@ -2736,35 +2736,35 @@
               <a:buNone/>
               <a:defRPr sz="3200"/>
             </a:lvl1pPr>
-            <a:lvl2pPr marL="457200" indent="0">
+            <a:lvl2pPr marL="457184" indent="0">
               <a:buNone/>
               <a:defRPr sz="2800"/>
             </a:lvl2pPr>
-            <a:lvl3pPr marL="914400" indent="0">
+            <a:lvl3pPr marL="914369" indent="0">
               <a:buNone/>
               <a:defRPr sz="2400"/>
             </a:lvl3pPr>
-            <a:lvl4pPr marL="1371600" indent="0">
+            <a:lvl4pPr marL="1371553" indent="0">
               <a:buNone/>
               <a:defRPr sz="2000"/>
             </a:lvl4pPr>
-            <a:lvl5pPr marL="1828800" indent="0">
+            <a:lvl5pPr marL="1828737" indent="0">
               <a:buNone/>
               <a:defRPr sz="2000"/>
             </a:lvl5pPr>
-            <a:lvl6pPr marL="2286000" indent="0">
+            <a:lvl6pPr marL="2285921" indent="0">
               <a:buNone/>
               <a:defRPr sz="2000"/>
             </a:lvl6pPr>
-            <a:lvl7pPr marL="2743200" indent="0">
+            <a:lvl7pPr marL="2743106" indent="0">
               <a:buNone/>
               <a:defRPr sz="2000"/>
             </a:lvl7pPr>
-            <a:lvl8pPr marL="3200400" indent="0">
+            <a:lvl8pPr marL="3200291" indent="0">
               <a:buNone/>
               <a:defRPr sz="2000"/>
             </a:lvl8pPr>
-            <a:lvl9pPr marL="3657600" indent="0">
+            <a:lvl9pPr marL="3657475" indent="0">
               <a:buNone/>
               <a:defRPr sz="2000"/>
             </a:lvl9pPr>
@@ -2786,8 +2786,8 @@
         </p:nvSpPr>
         <p:spPr>
           <a:xfrm>
-            <a:off x="1792288" y="5367338"/>
-            <a:ext cx="5486400" cy="804862"/>
+            <a:off x="3528255" y="5367338"/>
+            <a:ext cx="10800398" cy="804862"/>
           </a:xfrm>
         </p:spPr>
         <p:txBody>
@@ -2797,35 +2797,35 @@
               <a:buNone/>
               <a:defRPr sz="1400"/>
             </a:lvl1pPr>
-            <a:lvl2pPr marL="457200" indent="0">
+            <a:lvl2pPr marL="457184" indent="0">
               <a:buNone/>
               <a:defRPr sz="1200"/>
             </a:lvl2pPr>
-            <a:lvl3pPr marL="914400" indent="0">
+            <a:lvl3pPr marL="914369" indent="0">
               <a:buNone/>
               <a:defRPr sz="1000"/>
             </a:lvl3pPr>
-            <a:lvl4pPr marL="1371600" indent="0">
+            <a:lvl4pPr marL="1371553" indent="0">
               <a:buNone/>
               <a:defRPr sz="900"/>
             </a:lvl4pPr>
-            <a:lvl5pPr marL="1828800" indent="0">
+            <a:lvl5pPr marL="1828737" indent="0">
               <a:buNone/>
               <a:defRPr sz="900"/>
             </a:lvl5pPr>
-            <a:lvl6pPr marL="2286000" indent="0">
+            <a:lvl6pPr marL="2285921" indent="0">
               <a:buNone/>
               <a:defRPr sz="900"/>
             </a:lvl6pPr>
-            <a:lvl7pPr marL="2743200" indent="0">
+            <a:lvl7pPr marL="2743106" indent="0">
               <a:buNone/>
               <a:defRPr sz="900"/>
             </a:lvl7pPr>
-            <a:lvl8pPr marL="3200400" indent="0">
+            <a:lvl8pPr marL="3200291" indent="0">
               <a:buNone/>
               <a:defRPr sz="900"/>
             </a:lvl8pPr>
-            <a:lvl9pPr marL="3657600" indent="0">
+            <a:lvl9pPr marL="3657475" indent="0">
               <a:buNone/>
               <a:defRPr sz="900"/>
             </a:lvl9pPr>
@@ -2951,8 +2951,8 @@
         </p:nvSpPr>
         <p:spPr>
           <a:xfrm>
-            <a:off x="457200" y="274638"/>
-            <a:ext cx="8229600" cy="1143000"/>
+            <a:off x="900033" y="274638"/>
+            <a:ext cx="16200597" cy="1143000"/>
           </a:xfrm>
           <a:prstGeom prst="rect">
             <a:avLst/>
@@ -2983,8 +2983,8 @@
         </p:nvSpPr>
         <p:spPr>
           <a:xfrm>
-            <a:off x="457200" y="1600200"/>
-            <a:ext cx="8229600" cy="4525963"/>
+            <a:off x="900033" y="1600204"/>
+            <a:ext cx="16200597" cy="4525963"/>
           </a:xfrm>
           <a:prstGeom prst="rect">
             <a:avLst/>
@@ -3044,8 +3044,8 @@
         </p:nvSpPr>
         <p:spPr>
           <a:xfrm>
-            <a:off x="457200" y="6356350"/>
-            <a:ext cx="2133600" cy="365125"/>
+            <a:off x="900033" y="6356354"/>
+            <a:ext cx="4200155" cy="365125"/>
           </a:xfrm>
           <a:prstGeom prst="rect">
             <a:avLst/>
@@ -3085,8 +3085,8 @@
         </p:nvSpPr>
         <p:spPr>
           <a:xfrm>
-            <a:off x="3124200" y="6356350"/>
-            <a:ext cx="2895600" cy="365125"/>
+            <a:off x="6150227" y="6356354"/>
+            <a:ext cx="5700210" cy="365125"/>
           </a:xfrm>
           <a:prstGeom prst="rect">
             <a:avLst/>
@@ -3122,8 +3122,8 @@
         </p:nvSpPr>
         <p:spPr>
           <a:xfrm>
-            <a:off x="6553200" y="6356350"/>
-            <a:ext cx="2133600" cy="365125"/>
+            <a:off x="12900475" y="6356354"/>
+            <a:ext cx="4200155" cy="365125"/>
           </a:xfrm>
           <a:prstGeom prst="rect">
             <a:avLst/>
@@ -3174,7 +3174,7 @@
   </p:sldLayoutIdLst>
   <p:txStyles>
     <p:titleStyle>
-      <a:lvl1pPr algn="ctr" defTabSz="914400" rtl="0" eaLnBrk="1" latinLnBrk="0" hangingPunct="1">
+      <a:lvl1pPr algn="ctr" defTabSz="914369" rtl="0" eaLnBrk="1" latinLnBrk="0" hangingPunct="1">
         <a:spcBef>
           <a:spcPct val="0"/>
         </a:spcBef>
@@ -3190,7 +3190,7 @@
       </a:lvl1pPr>
     </p:titleStyle>
     <p:bodyStyle>
-      <a:lvl1pPr marL="342900" indent="-342900" algn="l" defTabSz="914400" rtl="0" eaLnBrk="1" latinLnBrk="0" hangingPunct="1">
+      <a:lvl1pPr marL="342889" indent="-342889" algn="l" defTabSz="914369" rtl="0" eaLnBrk="1" latinLnBrk="0" hangingPunct="1">
         <a:spcBef>
           <a:spcPct val="20000"/>
         </a:spcBef>
@@ -3205,7 +3205,7 @@
           <a:cs typeface="+mn-cs"/>
         </a:defRPr>
       </a:lvl1pPr>
-      <a:lvl2pPr marL="742950" indent="-285750" algn="l" defTabSz="914400" rtl="0" eaLnBrk="1" latinLnBrk="0" hangingPunct="1">
+      <a:lvl2pPr marL="742924" indent="-285740" algn="l" defTabSz="914369" rtl="0" eaLnBrk="1" latinLnBrk="0" hangingPunct="1">
         <a:spcBef>
           <a:spcPct val="20000"/>
         </a:spcBef>
@@ -3220,7 +3220,7 @@
           <a:cs typeface="+mn-cs"/>
         </a:defRPr>
       </a:lvl2pPr>
-      <a:lvl3pPr marL="1143000" indent="-228600" algn="l" defTabSz="914400" rtl="0" eaLnBrk="1" latinLnBrk="0" hangingPunct="1">
+      <a:lvl3pPr marL="1142961" indent="-228592" algn="l" defTabSz="914369" rtl="0" eaLnBrk="1" latinLnBrk="0" hangingPunct="1">
         <a:spcBef>
           <a:spcPct val="20000"/>
         </a:spcBef>
@@ -3235,7 +3235,7 @@
           <a:cs typeface="+mn-cs"/>
         </a:defRPr>
       </a:lvl3pPr>
-      <a:lvl4pPr marL="1600200" indent="-228600" algn="l" defTabSz="914400" rtl="0" eaLnBrk="1" latinLnBrk="0" hangingPunct="1">
+      <a:lvl4pPr marL="1600145" indent="-228592" algn="l" defTabSz="914369" rtl="0" eaLnBrk="1" latinLnBrk="0" hangingPunct="1">
         <a:spcBef>
           <a:spcPct val="20000"/>
         </a:spcBef>
@@ -3250,7 +3250,7 @@
           <a:cs typeface="+mn-cs"/>
         </a:defRPr>
       </a:lvl4pPr>
-      <a:lvl5pPr marL="2057400" indent="-228600" algn="l" defTabSz="914400" rtl="0" eaLnBrk="1" latinLnBrk="0" hangingPunct="1">
+      <a:lvl5pPr marL="2057329" indent="-228592" algn="l" defTabSz="914369" rtl="0" eaLnBrk="1" latinLnBrk="0" hangingPunct="1">
         <a:spcBef>
           <a:spcPct val="20000"/>
         </a:spcBef>
@@ -3265,7 +3265,7 @@
           <a:cs typeface="+mn-cs"/>
         </a:defRPr>
       </a:lvl5pPr>
-      <a:lvl6pPr marL="2514600" indent="-228600" algn="l" defTabSz="914400" rtl="0" eaLnBrk="1" latinLnBrk="0" hangingPunct="1">
+      <a:lvl6pPr marL="2514514" indent="-228592" algn="l" defTabSz="914369" rtl="0" eaLnBrk="1" latinLnBrk="0" hangingPunct="1">
         <a:spcBef>
           <a:spcPct val="20000"/>
         </a:spcBef>
@@ -3280,7 +3280,7 @@
           <a:cs typeface="+mn-cs"/>
         </a:defRPr>
       </a:lvl6pPr>
-      <a:lvl7pPr marL="2971800" indent="-228600" algn="l" defTabSz="914400" rtl="0" eaLnBrk="1" latinLnBrk="0" hangingPunct="1">
+      <a:lvl7pPr marL="2971698" indent="-228592" algn="l" defTabSz="914369" rtl="0" eaLnBrk="1" latinLnBrk="0" hangingPunct="1">
         <a:spcBef>
           <a:spcPct val="20000"/>
         </a:spcBef>
@@ -3295,7 +3295,7 @@
           <a:cs typeface="+mn-cs"/>
         </a:defRPr>
       </a:lvl7pPr>
-      <a:lvl8pPr marL="3429000" indent="-228600" algn="l" defTabSz="914400" rtl="0" eaLnBrk="1" latinLnBrk="0" hangingPunct="1">
+      <a:lvl8pPr marL="3428883" indent="-228592" algn="l" defTabSz="914369" rtl="0" eaLnBrk="1" latinLnBrk="0" hangingPunct="1">
         <a:spcBef>
           <a:spcPct val="20000"/>
         </a:spcBef>
@@ -3310,7 +3310,7 @@
           <a:cs typeface="+mn-cs"/>
         </a:defRPr>
       </a:lvl8pPr>
-      <a:lvl9pPr marL="3886200" indent="-228600" algn="l" defTabSz="914400" rtl="0" eaLnBrk="1" latinLnBrk="0" hangingPunct="1">
+      <a:lvl9pPr marL="3886067" indent="-228592" algn="l" defTabSz="914369" rtl="0" eaLnBrk="1" latinLnBrk="0" hangingPunct="1">
         <a:spcBef>
           <a:spcPct val="20000"/>
         </a:spcBef>
@@ -3330,7 +3330,7 @@
       <a:defPPr>
         <a:defRPr lang="en-US"/>
       </a:defPPr>
-      <a:lvl1pPr marL="0" algn="l" defTabSz="914400" rtl="0" eaLnBrk="1" latinLnBrk="0" hangingPunct="1">
+      <a:lvl1pPr marL="0" algn="l" defTabSz="914369" rtl="0" eaLnBrk="1" latinLnBrk="0" hangingPunct="1">
         <a:defRPr sz="1800" kern="1200">
           <a:solidFill>
             <a:schemeClr val="tx1"/>
@@ -3340,7 +3340,7 @@
           <a:cs typeface="+mn-cs"/>
         </a:defRPr>
       </a:lvl1pPr>
-      <a:lvl2pPr marL="457200" algn="l" defTabSz="914400" rtl="0" eaLnBrk="1" latinLnBrk="0" hangingPunct="1">
+      <a:lvl2pPr marL="457184" algn="l" defTabSz="914369" rtl="0" eaLnBrk="1" latinLnBrk="0" hangingPunct="1">
         <a:defRPr sz="1800" kern="1200">
           <a:solidFill>
             <a:schemeClr val="tx1"/>
@@ -3350,7 +3350,7 @@
           <a:cs typeface="+mn-cs"/>
         </a:defRPr>
       </a:lvl2pPr>
-      <a:lvl3pPr marL="914400" algn="l" defTabSz="914400" rtl="0" eaLnBrk="1" latinLnBrk="0" hangingPunct="1">
+      <a:lvl3pPr marL="914369" algn="l" defTabSz="914369" rtl="0" eaLnBrk="1" latinLnBrk="0" hangingPunct="1">
         <a:defRPr sz="1800" kern="1200">
           <a:solidFill>
             <a:schemeClr val="tx1"/>
@@ -3360,7 +3360,7 @@
           <a:cs typeface="+mn-cs"/>
         </a:defRPr>
       </a:lvl3pPr>
-      <a:lvl4pPr marL="1371600" algn="l" defTabSz="914400" rtl="0" eaLnBrk="1" latinLnBrk="0" hangingPunct="1">
+      <a:lvl4pPr marL="1371553" algn="l" defTabSz="914369" rtl="0" eaLnBrk="1" latinLnBrk="0" hangingPunct="1">
         <a:defRPr sz="1800" kern="1200">
           <a:solidFill>
             <a:schemeClr val="tx1"/>
@@ -3370,7 +3370,7 @@
           <a:cs typeface="+mn-cs"/>
         </a:defRPr>
       </a:lvl4pPr>
-      <a:lvl5pPr marL="1828800" algn="l" defTabSz="914400" rtl="0" eaLnBrk="1" latinLnBrk="0" hangingPunct="1">
+      <a:lvl5pPr marL="1828737" algn="l" defTabSz="914369" rtl="0" eaLnBrk="1" latinLnBrk="0" hangingPunct="1">
         <a:defRPr sz="1800" kern="1200">
           <a:solidFill>
             <a:schemeClr val="tx1"/>
@@ -3380,7 +3380,7 @@
           <a:cs typeface="+mn-cs"/>
         </a:defRPr>
       </a:lvl5pPr>
-      <a:lvl6pPr marL="2286000" algn="l" defTabSz="914400" rtl="0" eaLnBrk="1" latinLnBrk="0" hangingPunct="1">
+      <a:lvl6pPr marL="2285921" algn="l" defTabSz="914369" rtl="0" eaLnBrk="1" latinLnBrk="0" hangingPunct="1">
         <a:defRPr sz="1800" kern="1200">
           <a:solidFill>
             <a:schemeClr val="tx1"/>
@@ -3390,7 +3390,7 @@
           <a:cs typeface="+mn-cs"/>
         </a:defRPr>
       </a:lvl6pPr>
-      <a:lvl7pPr marL="2743200" algn="l" defTabSz="914400" rtl="0" eaLnBrk="1" latinLnBrk="0" hangingPunct="1">
+      <a:lvl7pPr marL="2743106" algn="l" defTabSz="914369" rtl="0" eaLnBrk="1" latinLnBrk="0" hangingPunct="1">
         <a:defRPr sz="1800" kern="1200">
           <a:solidFill>
             <a:schemeClr val="tx1"/>
@@ -3400,7 +3400,7 @@
           <a:cs typeface="+mn-cs"/>
         </a:defRPr>
       </a:lvl7pPr>
-      <a:lvl8pPr marL="3200400" algn="l" defTabSz="914400" rtl="0" eaLnBrk="1" latinLnBrk="0" hangingPunct="1">
+      <a:lvl8pPr marL="3200291" algn="l" defTabSz="914369" rtl="0" eaLnBrk="1" latinLnBrk="0" hangingPunct="1">
         <a:defRPr sz="1800" kern="1200">
           <a:solidFill>
             <a:schemeClr val="tx1"/>
@@ -3410,7 +3410,7 @@
           <a:cs typeface="+mn-cs"/>
         </a:defRPr>
       </a:lvl8pPr>
-      <a:lvl9pPr marL="3657600" algn="l" defTabSz="914400" rtl="0" eaLnBrk="1" latinLnBrk="0" hangingPunct="1">
+      <a:lvl9pPr marL="3657475" algn="l" defTabSz="914369" rtl="0" eaLnBrk="1" latinLnBrk="0" hangingPunct="1">
         <a:defRPr sz="1800" kern="1200">
           <a:solidFill>
             <a:schemeClr val="tx1"/>
@@ -3456,7 +3456,7 @@
         </p:nvSpPr>
         <p:spPr>
           <a:xfrm>
-            <a:off x="8861355" y="76200"/>
+            <a:off x="13289688" y="76200"/>
             <a:ext cx="2019181" cy="6428092"/>
           </a:xfrm>
           <a:prstGeom prst="roundRect">
@@ -3516,7 +3516,7 @@
         </p:nvSpPr>
         <p:spPr>
           <a:xfrm>
-            <a:off x="6770436" y="96064"/>
+            <a:off x="11198769" y="96066"/>
             <a:ext cx="2019181" cy="6408227"/>
           </a:xfrm>
           <a:prstGeom prst="roundRect">
@@ -3577,7 +3577,7 @@
         </p:nvSpPr>
         <p:spPr>
           <a:xfrm>
-            <a:off x="467812" y="115882"/>
+            <a:off x="4896145" y="115884"/>
             <a:ext cx="6164451" cy="6388407"/>
           </a:xfrm>
           <a:prstGeom prst="roundRect">
@@ -3638,7 +3638,7 @@
         </p:nvSpPr>
         <p:spPr>
           <a:xfrm>
-            <a:off x="883145" y="543946"/>
+            <a:off x="5311478" y="543946"/>
             <a:ext cx="1455629" cy="346760"/>
           </a:xfrm>
           <a:prstGeom prst="rect">
@@ -3707,7 +3707,7 @@
         </p:nvCxnSpPr>
         <p:spPr>
           <a:xfrm>
-            <a:off x="1610959" y="907617"/>
+            <a:off x="6039290" y="907619"/>
             <a:ext cx="16732" cy="5340783"/>
           </a:xfrm>
           <a:prstGeom prst="line">
@@ -3744,7 +3744,7 @@
         </p:nvSpPr>
         <p:spPr>
           <a:xfrm>
-            <a:off x="1538951" y="1258311"/>
+            <a:off x="5967282" y="1258311"/>
             <a:ext cx="152400" cy="4761486"/>
           </a:xfrm>
           <a:prstGeom prst="rect">
@@ -3791,7 +3791,7 @@
         </p:nvSpPr>
         <p:spPr>
           <a:xfrm>
-            <a:off x="3437188" y="423022"/>
+            <a:off x="7865519" y="423022"/>
             <a:ext cx="1134806" cy="467684"/>
           </a:xfrm>
           <a:prstGeom prst="rect">
@@ -3860,7 +3860,7 @@
         </p:nvCxnSpPr>
         <p:spPr>
           <a:xfrm>
-            <a:off x="4050587" y="907617"/>
+            <a:off x="8478918" y="907617"/>
             <a:ext cx="0" cy="1482984"/>
           </a:xfrm>
           <a:prstGeom prst="line">
@@ -3897,7 +3897,7 @@
         </p:nvSpPr>
         <p:spPr>
           <a:xfrm>
-            <a:off x="3978580" y="1365810"/>
+            <a:off x="8406912" y="1365810"/>
             <a:ext cx="154408" cy="767790"/>
           </a:xfrm>
           <a:prstGeom prst="rect">
@@ -3932,11 +3932,7 @@
           <a:lstStyle/>
           <a:p>
             <a:pPr algn="ctr"/>
-            <a:endParaRPr lang="en-SG" sz="1400">
-              <a:solidFill>
-                <a:schemeClr val="dk1"/>
-              </a:solidFill>
-            </a:endParaRPr>
+            <a:endParaRPr lang="en-SG" sz="1400"/>
           </a:p>
         </p:txBody>
       </p:sp>
@@ -3951,7 +3947,7 @@
         </p:nvCxnSpPr>
         <p:spPr>
           <a:xfrm>
-            <a:off x="5602082" y="1613633"/>
+            <a:off x="10030413" y="1613636"/>
             <a:ext cx="0" cy="4558567"/>
           </a:xfrm>
           <a:prstGeom prst="line">
@@ -3988,7 +3984,7 @@
         </p:nvSpPr>
         <p:spPr>
           <a:xfrm>
-            <a:off x="5525882" y="1613633"/>
+            <a:off x="9954213" y="1613636"/>
             <a:ext cx="152400" cy="276003"/>
           </a:xfrm>
           <a:prstGeom prst="rect">
@@ -4035,7 +4031,7 @@
         </p:nvCxnSpPr>
         <p:spPr>
           <a:xfrm>
-            <a:off x="419100" y="1261999"/>
+            <a:off x="4847434" y="1261999"/>
             <a:ext cx="1119851" cy="0"/>
           </a:xfrm>
           <a:prstGeom prst="straightConnector1">
@@ -4071,7 +4067,7 @@
         </p:nvSpPr>
         <p:spPr>
           <a:xfrm>
-            <a:off x="-152400" y="990600"/>
+            <a:off x="4275933" y="990600"/>
             <a:ext cx="1780091" cy="215444"/>
           </a:xfrm>
           <a:prstGeom prst="rect">
@@ -4137,7 +4133,7 @@
         </p:nvCxnSpPr>
         <p:spPr>
           <a:xfrm flipV="1">
-            <a:off x="4135972" y="1512340"/>
+            <a:off x="8564303" y="1512343"/>
             <a:ext cx="922392" cy="1"/>
           </a:xfrm>
           <a:prstGeom prst="straightConnector1">
@@ -4173,7 +4169,7 @@
         </p:nvSpPr>
         <p:spPr>
           <a:xfrm>
-            <a:off x="3243421" y="2484071"/>
+            <a:off x="7671754" y="2484071"/>
             <a:ext cx="855809" cy="215444"/>
           </a:xfrm>
           <a:prstGeom prst="rect">
@@ -4213,7 +4209,7 @@
         </p:nvCxnSpPr>
         <p:spPr>
           <a:xfrm>
-            <a:off x="4109108" y="1878232"/>
+            <a:off x="8537439" y="1878232"/>
             <a:ext cx="1492974" cy="0"/>
           </a:xfrm>
           <a:prstGeom prst="straightConnector1">
@@ -4253,7 +4249,7 @@
         </p:nvCxnSpPr>
         <p:spPr>
           <a:xfrm>
-            <a:off x="1691351" y="2133600"/>
+            <a:off x="6119685" y="2133600"/>
             <a:ext cx="2348067" cy="0"/>
           </a:xfrm>
           <a:prstGeom prst="straightConnector1">
@@ -4291,7 +4287,7 @@
         </p:nvCxnSpPr>
         <p:spPr>
           <a:xfrm>
-            <a:off x="381000" y="6015869"/>
+            <a:off x="4809333" y="6015869"/>
             <a:ext cx="1196051" cy="0"/>
           </a:xfrm>
           <a:prstGeom prst="straightConnector1">
@@ -4329,7 +4325,7 @@
         </p:nvSpPr>
         <p:spPr>
           <a:xfrm>
-            <a:off x="5516652" y="2731314"/>
+            <a:off x="9944986" y="2731314"/>
             <a:ext cx="159267" cy="3124194"/>
           </a:xfrm>
           <a:prstGeom prst="rect">
@@ -4376,7 +4372,7 @@
         </p:nvSpPr>
         <p:spPr>
           <a:xfrm>
-            <a:off x="5638799" y="2748246"/>
+            <a:off x="10067133" y="2748246"/>
             <a:ext cx="1966247" cy="184666"/>
           </a:xfrm>
           <a:prstGeom prst="rect">
@@ -4431,7 +4427,7 @@
         </p:nvSpPr>
         <p:spPr>
           <a:xfrm>
-            <a:off x="1511659" y="1106150"/>
+            <a:off x="5939992" y="1106150"/>
             <a:ext cx="2382309" cy="215444"/>
           </a:xfrm>
           <a:prstGeom prst="rect">
@@ -4483,7 +4479,7 @@
         </p:nvSpPr>
         <p:spPr>
           <a:xfrm>
-            <a:off x="3218849" y="5622098"/>
+            <a:off x="7647180" y="5622098"/>
             <a:ext cx="621216" cy="215444"/>
           </a:xfrm>
           <a:prstGeom prst="rect">
@@ -4523,7 +4519,7 @@
         </p:nvSpPr>
         <p:spPr>
           <a:xfrm>
-            <a:off x="486476" y="5747786"/>
+            <a:off x="4914808" y="5747786"/>
             <a:ext cx="762000" cy="215444"/>
           </a:xfrm>
           <a:prstGeom prst="rect">
@@ -4563,7 +4559,7 @@
         </p:nvSpPr>
         <p:spPr>
           <a:xfrm>
-            <a:off x="2724792" y="1905793"/>
+            <a:off x="7153125" y="1905793"/>
             <a:ext cx="220343" cy="215444"/>
           </a:xfrm>
           <a:prstGeom prst="rect">
@@ -4603,7 +4599,7 @@
         </p:nvSpPr>
         <p:spPr>
           <a:xfrm>
-            <a:off x="7298627" y="2353126"/>
+            <a:off x="11726961" y="2353126"/>
             <a:ext cx="1456237" cy="300180"/>
           </a:xfrm>
           <a:prstGeom prst="rect">
@@ -4680,7 +4676,7 @@
         </p:nvCxnSpPr>
         <p:spPr>
           <a:xfrm flipH="1">
-            <a:off x="8026745" y="2627144"/>
+            <a:off x="12455078" y="2627144"/>
             <a:ext cx="16021" cy="1411456"/>
           </a:xfrm>
           <a:prstGeom prst="line">
@@ -4717,7 +4713,7 @@
         </p:nvSpPr>
         <p:spPr>
           <a:xfrm>
-            <a:off x="7954358" y="2949412"/>
+            <a:off x="12382689" y="2949414"/>
             <a:ext cx="168896" cy="775693"/>
           </a:xfrm>
           <a:prstGeom prst="rect">
@@ -4766,7 +4762,7 @@
         </p:nvCxnSpPr>
         <p:spPr>
           <a:xfrm flipV="1">
-            <a:off x="5685755" y="2975345"/>
+            <a:off x="10114089" y="2975348"/>
             <a:ext cx="2268603" cy="1"/>
           </a:xfrm>
           <a:prstGeom prst="straightConnector1">
@@ -4802,7 +4798,7 @@
         </p:nvSpPr>
         <p:spPr>
           <a:xfrm>
-            <a:off x="5478332" y="6173153"/>
+            <a:off x="9906665" y="6173153"/>
             <a:ext cx="214697" cy="261610"/>
           </a:xfrm>
           <a:prstGeom prst="rect">
@@ -4835,7 +4831,7 @@
         </p:nvSpPr>
         <p:spPr>
           <a:xfrm>
-            <a:off x="5035977" y="1025151"/>
+            <a:off x="9464308" y="1025153"/>
             <a:ext cx="1216200" cy="696655"/>
           </a:xfrm>
           <a:prstGeom prst="rect">
@@ -4928,7 +4924,7 @@
         </p:nvCxnSpPr>
         <p:spPr>
           <a:xfrm>
-            <a:off x="1691351" y="2731314"/>
+            <a:off x="6119683" y="2731317"/>
             <a:ext cx="3832164" cy="1"/>
           </a:xfrm>
           <a:prstGeom prst="straightConnector1">
@@ -4972,7 +4968,7 @@
         </p:nvCxnSpPr>
         <p:spPr>
           <a:xfrm>
-            <a:off x="1708245" y="1363918"/>
+            <a:off x="6136579" y="1363921"/>
             <a:ext cx="2256705" cy="1"/>
           </a:xfrm>
           <a:prstGeom prst="straightConnector1">
@@ -5016,7 +5012,7 @@
         </p:nvCxnSpPr>
         <p:spPr>
           <a:xfrm>
-            <a:off x="1691351" y="5837542"/>
+            <a:off x="6119684" y="5837542"/>
             <a:ext cx="3831517" cy="0"/>
           </a:xfrm>
           <a:prstGeom prst="straightConnector1">
@@ -5062,7 +5058,7 @@
         </p:nvCxnSpPr>
         <p:spPr>
           <a:xfrm>
-            <a:off x="5638799" y="3715367"/>
+            <a:off x="10067133" y="3715370"/>
             <a:ext cx="2400007" cy="19165"/>
           </a:xfrm>
           <a:prstGeom prst="straightConnector1">
@@ -5108,7 +5104,7 @@
         </p:nvCxnSpPr>
         <p:spPr>
           <a:xfrm>
-            <a:off x="1708043" y="4320079"/>
+            <a:off x="6136374" y="4320082"/>
             <a:ext cx="3832164" cy="1"/>
           </a:xfrm>
           <a:prstGeom prst="straightConnector1">
@@ -5150,7 +5146,7 @@
         </p:nvSpPr>
         <p:spPr>
           <a:xfrm>
-            <a:off x="2970256" y="4038600"/>
+            <a:off x="7398590" y="4038600"/>
             <a:ext cx="869809" cy="215444"/>
           </a:xfrm>
           <a:prstGeom prst="rect">
@@ -5198,7 +5194,7 @@
         </p:nvCxnSpPr>
         <p:spPr>
           <a:xfrm>
-            <a:off x="1676400" y="5486400"/>
+            <a:off x="6104734" y="5486400"/>
             <a:ext cx="3831517" cy="0"/>
           </a:xfrm>
           <a:prstGeom prst="straightConnector1">
@@ -5242,7 +5238,7 @@
         </p:nvSpPr>
         <p:spPr>
           <a:xfrm>
-            <a:off x="9296401" y="4509957"/>
+            <a:off x="13724734" y="4500612"/>
             <a:ext cx="1310253" cy="519243"/>
           </a:xfrm>
           <a:prstGeom prst="rect">
@@ -5322,7 +5318,7 @@
         </p:nvSpPr>
         <p:spPr>
           <a:xfrm>
-            <a:off x="2743200" y="5270956"/>
+            <a:off x="7171534" y="5270956"/>
             <a:ext cx="855809" cy="215444"/>
           </a:xfrm>
           <a:prstGeom prst="rect">
@@ -5370,7 +5366,7 @@
         </p:nvCxnSpPr>
         <p:spPr>
           <a:xfrm>
-            <a:off x="5685755" y="4795019"/>
+            <a:off x="10114086" y="4795022"/>
             <a:ext cx="3598756" cy="9537"/>
           </a:xfrm>
           <a:prstGeom prst="straightConnector1">
@@ -5412,7 +5408,7 @@
         </p:nvSpPr>
         <p:spPr>
           <a:xfrm>
-            <a:off x="9906000" y="5017948"/>
+            <a:off x="14239193" y="5019855"/>
             <a:ext cx="152400" cy="276003"/>
           </a:xfrm>
           <a:prstGeom prst="rect">
@@ -5471,7 +5467,7 @@
         </p:nvCxnSpPr>
         <p:spPr>
           <a:xfrm>
-            <a:off x="5662944" y="5272983"/>
+            <a:off x="10091275" y="5272985"/>
             <a:ext cx="4228580" cy="19165"/>
           </a:xfrm>
           <a:prstGeom prst="straightConnector1">
@@ -5520,7 +5516,7 @@
         </p:nvCxnSpPr>
         <p:spPr>
           <a:xfrm>
-            <a:off x="9982200" y="5293951"/>
+            <a:off x="14315393" y="5295858"/>
             <a:ext cx="8845" cy="954449"/>
           </a:xfrm>
           <a:prstGeom prst="line">
@@ -5565,7 +5561,7 @@
         </p:nvSpPr>
         <p:spPr>
           <a:xfrm>
-            <a:off x="9867024" y="6242682"/>
+            <a:off x="14216889" y="6238442"/>
             <a:ext cx="214697" cy="261610"/>
           </a:xfrm>
           <a:prstGeom prst="rect">
